--- a/Revision Resources/WebpageV4.pptx
+++ b/Revision Resources/WebpageV4.pptx
@@ -3762,52 +3762,6 @@
           </a:prstGeom>
         </p:spPr>
       </p:pic>
-      <p:sp>
-        <p:nvSpPr>
-          <p:cNvPr id="21" name="Oval 20"/>
-          <p:cNvSpPr/>
-          <p:nvPr/>
-        </p:nvSpPr>
-        <p:spPr>
-          <a:xfrm>
-            <a:off x="203818" y="4610076"/>
-            <a:ext cx="6654182" cy="4613401"/>
-          </a:xfrm>
-          <a:prstGeom prst="ellipse">
-            <a:avLst/>
-          </a:prstGeom>
-          <a:noFill/>
-          <a:ln w="76200">
-            <a:solidFill>
-              <a:srgbClr val="C00000"/>
-            </a:solidFill>
-          </a:ln>
-        </p:spPr>
-        <p:style>
-          <a:lnRef idx="2">
-            <a:schemeClr val="accent1">
-              <a:shade val="50000"/>
-            </a:schemeClr>
-          </a:lnRef>
-          <a:fillRef idx="1">
-            <a:schemeClr val="accent1"/>
-          </a:fillRef>
-          <a:effectRef idx="0">
-            <a:schemeClr val="accent1"/>
-          </a:effectRef>
-          <a:fontRef idx="minor">
-            <a:schemeClr val="lt1"/>
-          </a:fontRef>
-        </p:style>
-        <p:txBody>
-          <a:bodyPr rtlCol="0" anchor="ctr"/>
-          <a:lstStyle/>
-          <a:p>
-            <a:pPr algn="ctr"/>
-            <a:endParaRPr lang="en-SG"/>
-          </a:p>
-        </p:txBody>
-      </p:sp>
     </p:spTree>
     <p:extLst>
       <p:ext uri="{BB962C8B-B14F-4D97-AF65-F5344CB8AC3E}">

--- a/Revision Resources/WebpageV4.pptx
+++ b/Revision Resources/WebpageV4.pptx
@@ -5705,7 +5705,7 @@
         </p:blipFill>
         <p:spPr>
           <a:xfrm>
-            <a:off x="372303" y="882994"/>
+            <a:off x="453932" y="1310187"/>
             <a:ext cx="5878947" cy="7121339"/>
           </a:xfrm>
           <a:prstGeom prst="rect">
@@ -5927,7 +5927,7 @@
         </p:blipFill>
         <p:spPr>
           <a:xfrm>
-            <a:off x="346792" y="2167000"/>
+            <a:off x="453932" y="2637915"/>
             <a:ext cx="5748996" cy="1830274"/>
           </a:xfrm>
           <a:prstGeom prst="rect">
@@ -5943,7 +5943,7 @@
         </p:nvSpPr>
         <p:spPr>
           <a:xfrm>
-            <a:off x="276417" y="2167001"/>
+            <a:off x="346792" y="2318134"/>
             <a:ext cx="5819371" cy="7739000"/>
           </a:xfrm>
           <a:prstGeom prst="ellipse">
